--- a/session-4-gis/session-4-gis.pptx
+++ b/session-4-gis/session-4-gis.pptx
@@ -13,7 +13,9 @@
     <p:sldId id="269" r:id="rId7"/>
     <p:sldId id="300" r:id="rId8"/>
     <p:sldId id="281" r:id="rId9"/>
-    <p:sldId id="297" r:id="rId10"/>
+    <p:sldId id="305" r:id="rId10"/>
+    <p:sldId id="297" r:id="rId11"/>
+    <p:sldId id="306" r:id="rId12"/>
   </p:sldIdLst>
   <p:sldSz cx="9144000" cy="6858000" type="screen4x3"/>
   <p:notesSz cx="6858000" cy="9144000"/>
@@ -310,7 +312,7 @@
           <a:p>
             <a:fld id="{FED704DD-ECE8-4EBA-89AC-54C15DA6AD2B}" type="datetimeFigureOut">
               <a:rPr lang="en-US" smtClean="0"/>
-              <a:t>3/7/2023</a:t>
+              <a:t>3/12/2023</a:t>
             </a:fld>
             <a:endParaRPr lang="en-US"/>
           </a:p>
@@ -478,7 +480,7 @@
           <a:p>
             <a:fld id="{FED704DD-ECE8-4EBA-89AC-54C15DA6AD2B}" type="datetimeFigureOut">
               <a:rPr lang="en-US" smtClean="0"/>
-              <a:t>3/7/2023</a:t>
+              <a:t>3/12/2023</a:t>
             </a:fld>
             <a:endParaRPr lang="en-US"/>
           </a:p>
@@ -656,7 +658,7 @@
           <a:p>
             <a:fld id="{FED704DD-ECE8-4EBA-89AC-54C15DA6AD2B}" type="datetimeFigureOut">
               <a:rPr lang="en-US" smtClean="0"/>
-              <a:t>3/7/2023</a:t>
+              <a:t>3/12/2023</a:t>
             </a:fld>
             <a:endParaRPr lang="en-US"/>
           </a:p>
@@ -824,7 +826,7 @@
           <a:p>
             <a:fld id="{FED704DD-ECE8-4EBA-89AC-54C15DA6AD2B}" type="datetimeFigureOut">
               <a:rPr lang="en-US" smtClean="0"/>
-              <a:t>3/7/2023</a:t>
+              <a:t>3/12/2023</a:t>
             </a:fld>
             <a:endParaRPr lang="en-US"/>
           </a:p>
@@ -1069,7 +1071,7 @@
           <a:p>
             <a:fld id="{FED704DD-ECE8-4EBA-89AC-54C15DA6AD2B}" type="datetimeFigureOut">
               <a:rPr lang="en-US" smtClean="0"/>
-              <a:t>3/7/2023</a:t>
+              <a:t>3/12/2023</a:t>
             </a:fld>
             <a:endParaRPr lang="en-US"/>
           </a:p>
@@ -1354,7 +1356,7 @@
           <a:p>
             <a:fld id="{FED704DD-ECE8-4EBA-89AC-54C15DA6AD2B}" type="datetimeFigureOut">
               <a:rPr lang="en-US" smtClean="0"/>
-              <a:t>3/7/2023</a:t>
+              <a:t>3/12/2023</a:t>
             </a:fld>
             <a:endParaRPr lang="en-US"/>
           </a:p>
@@ -1773,7 +1775,7 @@
           <a:p>
             <a:fld id="{FED704DD-ECE8-4EBA-89AC-54C15DA6AD2B}" type="datetimeFigureOut">
               <a:rPr lang="en-US" smtClean="0"/>
-              <a:t>3/7/2023</a:t>
+              <a:t>3/12/2023</a:t>
             </a:fld>
             <a:endParaRPr lang="en-US"/>
           </a:p>
@@ -1890,7 +1892,7 @@
           <a:p>
             <a:fld id="{FED704DD-ECE8-4EBA-89AC-54C15DA6AD2B}" type="datetimeFigureOut">
               <a:rPr lang="en-US" smtClean="0"/>
-              <a:t>3/7/2023</a:t>
+              <a:t>3/12/2023</a:t>
             </a:fld>
             <a:endParaRPr lang="en-US"/>
           </a:p>
@@ -1985,7 +1987,7 @@
           <a:p>
             <a:fld id="{FED704DD-ECE8-4EBA-89AC-54C15DA6AD2B}" type="datetimeFigureOut">
               <a:rPr lang="en-US" smtClean="0"/>
-              <a:t>3/7/2023</a:t>
+              <a:t>3/12/2023</a:t>
             </a:fld>
             <a:endParaRPr lang="en-US"/>
           </a:p>
@@ -2260,7 +2262,7 @@
           <a:p>
             <a:fld id="{FED704DD-ECE8-4EBA-89AC-54C15DA6AD2B}" type="datetimeFigureOut">
               <a:rPr lang="en-US" smtClean="0"/>
-              <a:t>3/7/2023</a:t>
+              <a:t>3/12/2023</a:t>
             </a:fld>
             <a:endParaRPr lang="en-US"/>
           </a:p>
@@ -2512,7 +2514,7 @@
           <a:p>
             <a:fld id="{FED704DD-ECE8-4EBA-89AC-54C15DA6AD2B}" type="datetimeFigureOut">
               <a:rPr lang="en-US" smtClean="0"/>
-              <a:t>3/7/2023</a:t>
+              <a:t>3/12/2023</a:t>
             </a:fld>
             <a:endParaRPr lang="en-US"/>
           </a:p>
@@ -2723,7 +2725,7 @@
           <a:p>
             <a:fld id="{FED704DD-ECE8-4EBA-89AC-54C15DA6AD2B}" type="datetimeFigureOut">
               <a:rPr lang="en-US" smtClean="0"/>
-              <a:t>3/7/2023</a:t>
+              <a:t>3/12/2023</a:t>
             </a:fld>
             <a:endParaRPr lang="en-US"/>
           </a:p>
@@ -3322,6 +3324,219 @@
     <p:extLst>
       <p:ext uri="{BB962C8B-B14F-4D97-AF65-F5344CB8AC3E}">
         <p14:creationId xmlns:p14="http://schemas.microsoft.com/office/powerpoint/2010/main" val="1778714074"/>
+      </p:ext>
+    </p:extLst>
+  </p:cSld>
+  <p:clrMapOvr>
+    <a:masterClrMapping/>
+  </p:clrMapOvr>
+</p:sld>
+</file>
+
+<file path=ppt/slides/slide10.xml><?xml version="1.0" encoding="utf-8"?>
+<p:sld xmlns:a="http://schemas.openxmlformats.org/drawingml/2006/main" xmlns:r="http://schemas.openxmlformats.org/officeDocument/2006/relationships" xmlns:p="http://schemas.openxmlformats.org/presentationml/2006/main">
+  <p:cSld>
+    <p:spTree>
+      <p:nvGrpSpPr>
+        <p:cNvPr id="1" name=""/>
+        <p:cNvGrpSpPr/>
+        <p:nvPr/>
+      </p:nvGrpSpPr>
+      <p:grpSpPr>
+        <a:xfrm>
+          <a:off x="0" y="0"/>
+          <a:ext cx="0" cy="0"/>
+          <a:chOff x="0" y="0"/>
+          <a:chExt cx="0" cy="0"/>
+        </a:xfrm>
+      </p:grpSpPr>
+      <p:sp>
+        <p:nvSpPr>
+          <p:cNvPr id="2" name="Title 1"/>
+          <p:cNvSpPr>
+            <a:spLocks noGrp="1"/>
+          </p:cNvSpPr>
+          <p:nvPr>
+            <p:ph type="title"/>
+          </p:nvPr>
+        </p:nvSpPr>
+        <p:spPr/>
+        <p:txBody>
+          <a:bodyPr/>
+          <a:lstStyle/>
+          <a:p>
+            <a:endParaRPr lang="en-US" dirty="0"/>
+          </a:p>
+        </p:txBody>
+      </p:sp>
+      <p:sp>
+        <p:nvSpPr>
+          <p:cNvPr id="5" name="Content Placeholder 4">
+            <a:extLst>
+              <a:ext uri="{FF2B5EF4-FFF2-40B4-BE49-F238E27FC236}">
+                <a16:creationId xmlns:a16="http://schemas.microsoft.com/office/drawing/2014/main" id="{D25FA460-4489-4685-9021-438B930A464C}"/>
+              </a:ext>
+            </a:extLst>
+          </p:cNvPr>
+          <p:cNvSpPr>
+            <a:spLocks noGrp="1"/>
+          </p:cNvSpPr>
+          <p:nvPr>
+            <p:ph idx="1"/>
+          </p:nvPr>
+        </p:nvSpPr>
+        <p:spPr/>
+        <p:txBody>
+          <a:bodyPr/>
+          <a:lstStyle/>
+          <a:p>
+            <a:endParaRPr lang="en-US" dirty="0"/>
+          </a:p>
+          <a:p>
+            <a:endParaRPr lang="en-US" dirty="0"/>
+          </a:p>
+          <a:p>
+            <a:pPr marL="0" indent="0" algn="ctr">
+              <a:buNone/>
+            </a:pPr>
+            <a:r>
+              <a:rPr lang="en-US" dirty="0"/>
+              <a:t>Let’s do it</a:t>
+            </a:r>
+          </a:p>
+        </p:txBody>
+      </p:sp>
+    </p:spTree>
+    <p:extLst>
+      <p:ext uri="{BB962C8B-B14F-4D97-AF65-F5344CB8AC3E}">
+        <p14:creationId xmlns:p14="http://schemas.microsoft.com/office/powerpoint/2010/main" val="1838335856"/>
+      </p:ext>
+    </p:extLst>
+  </p:cSld>
+  <p:clrMapOvr>
+    <a:masterClrMapping/>
+  </p:clrMapOvr>
+</p:sld>
+</file>
+
+<file path=ppt/slides/slide11.xml><?xml version="1.0" encoding="utf-8"?>
+<p:sld xmlns:a="http://schemas.openxmlformats.org/drawingml/2006/main" xmlns:r="http://schemas.openxmlformats.org/officeDocument/2006/relationships" xmlns:p="http://schemas.openxmlformats.org/presentationml/2006/main">
+  <p:cSld>
+    <p:spTree>
+      <p:nvGrpSpPr>
+        <p:cNvPr id="1" name=""/>
+        <p:cNvGrpSpPr/>
+        <p:nvPr/>
+      </p:nvGrpSpPr>
+      <p:grpSpPr>
+        <a:xfrm>
+          <a:off x="0" y="0"/>
+          <a:ext cx="0" cy="0"/>
+          <a:chOff x="0" y="0"/>
+          <a:chExt cx="0" cy="0"/>
+        </a:xfrm>
+      </p:grpSpPr>
+      <p:sp>
+        <p:nvSpPr>
+          <p:cNvPr id="2" name="Title 1"/>
+          <p:cNvSpPr>
+            <a:spLocks noGrp="1"/>
+          </p:cNvSpPr>
+          <p:nvPr>
+            <p:ph type="title"/>
+          </p:nvPr>
+        </p:nvSpPr>
+        <p:spPr/>
+        <p:txBody>
+          <a:bodyPr/>
+          <a:lstStyle/>
+          <a:p>
+            <a:r>
+              <a:rPr lang="en-US" dirty="0"/>
+              <a:t>Projections</a:t>
+            </a:r>
+          </a:p>
+        </p:txBody>
+      </p:sp>
+      <p:sp>
+        <p:nvSpPr>
+          <p:cNvPr id="3" name="Content Placeholder 2"/>
+          <p:cNvSpPr>
+            <a:spLocks noGrp="1"/>
+          </p:cNvSpPr>
+          <p:nvPr>
+            <p:ph idx="1"/>
+          </p:nvPr>
+        </p:nvSpPr>
+        <p:spPr/>
+        <p:txBody>
+          <a:bodyPr/>
+          <a:lstStyle/>
+          <a:p>
+            <a:r>
+              <a:rPr lang="en-US" dirty="0"/>
+              <a:t>For world/country plots defaults </a:t>
+            </a:r>
+            <a:r>
+              <a:rPr lang="en-US"/>
+              <a:t>are usually ok.</a:t>
+            </a:r>
+            <a:endParaRPr lang="en-US" dirty="0"/>
+          </a:p>
+          <a:p>
+            <a:r>
+              <a:rPr lang="en-US" dirty="0"/>
+              <a:t>For states, it’s *important* to choose a projection centered at your state.</a:t>
+            </a:r>
+          </a:p>
+          <a:p>
+            <a:r>
+              <a:rPr lang="en-US" dirty="0"/>
+              <a:t>In practice: Google “</a:t>
+            </a:r>
+            <a:r>
+              <a:rPr lang="en-US" dirty="0" err="1"/>
+              <a:t>epsg</a:t>
+            </a:r>
+            <a:r>
+              <a:rPr lang="en-US" dirty="0"/>
+              <a:t>” + state. Copy the number.</a:t>
+            </a:r>
+          </a:p>
+          <a:p>
+            <a:r>
+              <a:rPr lang="en-US" dirty="0"/>
+              <a:t>Use </a:t>
+            </a:r>
+            <a:r>
+              <a:rPr lang="en-US" dirty="0" err="1"/>
+              <a:t>st_transform</a:t>
+            </a:r>
+            <a:r>
+              <a:rPr lang="en-US" dirty="0"/>
+              <a:t>(x, </a:t>
+            </a:r>
+            <a:r>
+              <a:rPr lang="en-US" dirty="0" err="1"/>
+              <a:t>crs</a:t>
+            </a:r>
+            <a:r>
+              <a:rPr lang="en-US" dirty="0"/>
+              <a:t> = 1234)</a:t>
+            </a:r>
+          </a:p>
+          <a:p>
+            <a:endParaRPr lang="en-US" dirty="0"/>
+          </a:p>
+          <a:p>
+            <a:endParaRPr lang="en-US" dirty="0"/>
+          </a:p>
+        </p:txBody>
+      </p:sp>
+    </p:spTree>
+    <p:extLst>
+      <p:ext uri="{BB962C8B-B14F-4D97-AF65-F5344CB8AC3E}">
+        <p14:creationId xmlns:p14="http://schemas.microsoft.com/office/powerpoint/2010/main" val="624053224"/>
       </p:ext>
     </p:extLst>
   </p:cSld>
@@ -4700,19 +4915,16 @@
           <a:bodyPr/>
           <a:lstStyle/>
           <a:p>
-            <a:endParaRPr lang="en-US" dirty="0"/>
-          </a:p>
-        </p:txBody>
-      </p:sp>
-      <p:sp>
-        <p:nvSpPr>
-          <p:cNvPr id="5" name="Content Placeholder 4">
-            <a:extLst>
-              <a:ext uri="{FF2B5EF4-FFF2-40B4-BE49-F238E27FC236}">
-                <a16:creationId xmlns:a16="http://schemas.microsoft.com/office/drawing/2014/main" id="{D25FA460-4489-4685-9021-438B930A464C}"/>
-              </a:ext>
-            </a:extLst>
-          </p:cNvPr>
+            <a:r>
+              <a:rPr lang="en-US"/>
+              <a:t>Projections</a:t>
+            </a:r>
+          </a:p>
+        </p:txBody>
+      </p:sp>
+      <p:sp>
+        <p:nvSpPr>
+          <p:cNvPr id="3" name="Content Placeholder 2"/>
           <p:cNvSpPr>
             <a:spLocks noGrp="1"/>
           </p:cNvSpPr>
@@ -4725,26 +4937,38 @@
           <a:bodyPr/>
           <a:lstStyle/>
           <a:p>
-            <a:endParaRPr lang="en-US" dirty="0"/>
-          </a:p>
-          <a:p>
-            <a:endParaRPr lang="en-US" dirty="0"/>
-          </a:p>
-          <a:p>
-            <a:pPr marL="0" indent="0" algn="ctr">
-              <a:buNone/>
-            </a:pPr>
-            <a:r>
-              <a:rPr lang="en-US" dirty="0"/>
-              <a:t>Let’s do it</a:t>
-            </a:r>
-          </a:p>
-        </p:txBody>
-      </p:sp>
+            <a:endParaRPr lang="en-US"/>
+          </a:p>
+        </p:txBody>
+      </p:sp>
+      <p:pic>
+        <p:nvPicPr>
+          <p:cNvPr id="4" name="Picture 3"/>
+          <p:cNvPicPr>
+            <a:picLocks noChangeAspect="1"/>
+          </p:cNvPicPr>
+          <p:nvPr/>
+        </p:nvPicPr>
+        <p:blipFill>
+          <a:blip r:embed="rId2"/>
+          <a:stretch>
+            <a:fillRect/>
+          </a:stretch>
+        </p:blipFill>
+        <p:spPr>
+          <a:xfrm>
+            <a:off x="1258645" y="2057301"/>
+            <a:ext cx="6753449" cy="3601839"/>
+          </a:xfrm>
+          <a:prstGeom prst="rect">
+            <a:avLst/>
+          </a:prstGeom>
+        </p:spPr>
+      </p:pic>
     </p:spTree>
     <p:extLst>
       <p:ext uri="{BB962C8B-B14F-4D97-AF65-F5344CB8AC3E}">
-        <p14:creationId xmlns:p14="http://schemas.microsoft.com/office/powerpoint/2010/main" val="1838335856"/>
+        <p14:creationId xmlns:p14="http://schemas.microsoft.com/office/powerpoint/2010/main" val="1261745162"/>
       </p:ext>
     </p:extLst>
   </p:cSld>
